--- a/materi/Rekayasa Perangkat Lunak-02.pptx
+++ b/materi/Rekayasa Perangkat Lunak-02.pptx
@@ -214,7 +214,7 @@
             <a:fld id="{D4C55E52-1512-4397-87CC-2882E58DA483}" type="datetimeFigureOut">
               <a:rPr lang="en-US" smtClean="0"/>
               <a:pPr/>
-              <a:t>10/6/2015</a:t>
+              <a:t>10/21/2015</a:t>
             </a:fld>
             <a:endParaRPr lang="en-US"/>
           </a:p>
@@ -2466,7 +2466,7 @@
             <a:fld id="{1D8BD707-D9CF-40AE-B4C6-C98DA3205C09}" type="datetimeFigureOut">
               <a:rPr lang="en-US" smtClean="0"/>
               <a:pPr/>
-              <a:t>10/6/2015</a:t>
+              <a:t>10/21/2015</a:t>
             </a:fld>
             <a:endParaRPr lang="en-US"/>
           </a:p>
@@ -2633,7 +2633,7 @@
             <a:fld id="{1D8BD707-D9CF-40AE-B4C6-C98DA3205C09}" type="datetimeFigureOut">
               <a:rPr lang="en-US" smtClean="0"/>
               <a:pPr/>
-              <a:t>10/6/2015</a:t>
+              <a:t>10/21/2015</a:t>
             </a:fld>
             <a:endParaRPr lang="en-US"/>
           </a:p>
@@ -2810,7 +2810,7 @@
             <a:fld id="{1D8BD707-D9CF-40AE-B4C6-C98DA3205C09}" type="datetimeFigureOut">
               <a:rPr lang="en-US" smtClean="0"/>
               <a:pPr/>
-              <a:t>10/6/2015</a:t>
+              <a:t>10/21/2015</a:t>
             </a:fld>
             <a:endParaRPr lang="en-US"/>
           </a:p>
@@ -2977,7 +2977,7 @@
             <a:fld id="{1D8BD707-D9CF-40AE-B4C6-C98DA3205C09}" type="datetimeFigureOut">
               <a:rPr lang="en-US" smtClean="0"/>
               <a:pPr/>
-              <a:t>10/6/2015</a:t>
+              <a:t>10/21/2015</a:t>
             </a:fld>
             <a:endParaRPr lang="en-US"/>
           </a:p>
@@ -3220,7 +3220,7 @@
             <a:fld id="{1D8BD707-D9CF-40AE-B4C6-C98DA3205C09}" type="datetimeFigureOut">
               <a:rPr lang="en-US" smtClean="0"/>
               <a:pPr/>
-              <a:t>10/6/2015</a:t>
+              <a:t>10/21/2015</a:t>
             </a:fld>
             <a:endParaRPr lang="en-US"/>
           </a:p>
@@ -3505,7 +3505,7 @@
             <a:fld id="{1D8BD707-D9CF-40AE-B4C6-C98DA3205C09}" type="datetimeFigureOut">
               <a:rPr lang="en-US" smtClean="0"/>
               <a:pPr/>
-              <a:t>10/6/2015</a:t>
+              <a:t>10/21/2015</a:t>
             </a:fld>
             <a:endParaRPr lang="en-US"/>
           </a:p>
@@ -3924,7 +3924,7 @@
             <a:fld id="{1D8BD707-D9CF-40AE-B4C6-C98DA3205C09}" type="datetimeFigureOut">
               <a:rPr lang="en-US" smtClean="0"/>
               <a:pPr/>
-              <a:t>10/6/2015</a:t>
+              <a:t>10/21/2015</a:t>
             </a:fld>
             <a:endParaRPr lang="en-US"/>
           </a:p>
@@ -4039,7 +4039,7 @@
             <a:fld id="{1D8BD707-D9CF-40AE-B4C6-C98DA3205C09}" type="datetimeFigureOut">
               <a:rPr lang="en-US" smtClean="0"/>
               <a:pPr/>
-              <a:t>10/6/2015</a:t>
+              <a:t>10/21/2015</a:t>
             </a:fld>
             <a:endParaRPr lang="en-US"/>
           </a:p>
@@ -4131,7 +4131,7 @@
             <a:fld id="{1D8BD707-D9CF-40AE-B4C6-C98DA3205C09}" type="datetimeFigureOut">
               <a:rPr lang="en-US" smtClean="0"/>
               <a:pPr/>
-              <a:t>10/6/2015</a:t>
+              <a:t>10/21/2015</a:t>
             </a:fld>
             <a:endParaRPr lang="en-US"/>
           </a:p>
@@ -4405,7 +4405,7 @@
             <a:fld id="{1D8BD707-D9CF-40AE-B4C6-C98DA3205C09}" type="datetimeFigureOut">
               <a:rPr lang="en-US" smtClean="0"/>
               <a:pPr/>
-              <a:t>10/6/2015</a:t>
+              <a:t>10/21/2015</a:t>
             </a:fld>
             <a:endParaRPr lang="en-US"/>
           </a:p>
@@ -4655,7 +4655,7 @@
             <a:fld id="{1D8BD707-D9CF-40AE-B4C6-C98DA3205C09}" type="datetimeFigureOut">
               <a:rPr lang="en-US" smtClean="0"/>
               <a:pPr/>
-              <a:t>10/6/2015</a:t>
+              <a:t>10/21/2015</a:t>
             </a:fld>
             <a:endParaRPr lang="en-US"/>
           </a:p>
@@ -4865,7 +4865,7 @@
             <a:fld id="{1D8BD707-D9CF-40AE-B4C6-C98DA3205C09}" type="datetimeFigureOut">
               <a:rPr lang="en-US" smtClean="0"/>
               <a:pPr/>
-              <a:t>10/6/2015</a:t>
+              <a:t>10/21/2015</a:t>
             </a:fld>
             <a:endParaRPr lang="en-US"/>
           </a:p>
@@ -5449,15 +5449,7 @@
                   <a:srgbClr val="FFFF00"/>
                 </a:solidFill>
               </a:rPr>
-              <a:t>(</a:t>
-            </a:r>
-            <a:r>
-              <a:rPr lang="en-US" sz="4000" b="1" dirty="0" smtClean="0">
-                <a:solidFill>
-                  <a:srgbClr val="FFFF00"/>
-                </a:solidFill>
-              </a:rPr>
-              <a:t>TTI374)</a:t>
+              <a:t>(TTI374)</a:t>
             </a:r>
           </a:p>
           <a:p>
@@ -5484,23 +5476,7 @@
                   <a:srgbClr val="FFFF00"/>
                 </a:solidFill>
               </a:rPr>
-              <a:t> </a:t>
-            </a:r>
-            <a:r>
-              <a:rPr lang="en-US" sz="3200" b="1" dirty="0" smtClean="0">
-                <a:solidFill>
-                  <a:srgbClr val="FFFF00"/>
-                </a:solidFill>
-              </a:rPr>
-              <a:t>II </a:t>
-            </a:r>
-            <a:r>
-              <a:rPr lang="en-US" sz="3200" b="1" dirty="0" smtClean="0">
-                <a:solidFill>
-                  <a:srgbClr val="FFFF00"/>
-                </a:solidFill>
-              </a:rPr>
-              <a:t>: </a:t>
+              <a:t> II : </a:t>
             </a:r>
           </a:p>
           <a:p>
@@ -5798,11 +5774,7 @@
             </a:r>
             <a:r>
               <a:rPr lang="en-US" dirty="0" smtClean="0"/>
-              <a:t> </a:t>
-            </a:r>
-            <a:r>
-              <a:rPr lang="en-US" dirty="0" smtClean="0"/>
-              <a:t>(</a:t>
+              <a:t> (</a:t>
             </a:r>
             <a:r>
               <a:rPr lang="en-US" dirty="0" err="1" smtClean="0"/>
@@ -6058,11 +6030,7 @@
             </a:r>
             <a:r>
               <a:rPr lang="en-US" dirty="0" smtClean="0"/>
-              <a:t> </a:t>
-            </a:r>
-            <a:r>
-              <a:rPr lang="en-US" dirty="0" smtClean="0"/>
-              <a:t>(</a:t>
+              <a:t> (</a:t>
             </a:r>
             <a:r>
               <a:rPr lang="en-US" dirty="0" err="1" smtClean="0"/>
@@ -6757,11 +6725,7 @@
             </a:r>
             <a:r>
               <a:rPr lang="en-US" dirty="0" smtClean="0"/>
-              <a:t> </a:t>
-            </a:r>
-            <a:r>
-              <a:rPr lang="en-US" dirty="0" smtClean="0"/>
-              <a:t>(</a:t>
+              <a:t> (</a:t>
             </a:r>
             <a:r>
               <a:rPr lang="en-US" dirty="0" err="1" smtClean="0"/>
@@ -6968,7 +6932,6 @@
               <a:rPr lang="en-US" sz="2800" dirty="0" smtClean="0"/>
               <a:t> software.</a:t>
             </a:r>
-            <a:endParaRPr lang="en-US" sz="2800" dirty="0" smtClean="0"/>
           </a:p>
         </p:txBody>
       </p:sp>
@@ -7179,11 +7142,7 @@
             </a:r>
             <a:r>
               <a:rPr lang="en-US" dirty="0" smtClean="0"/>
-              <a:t> </a:t>
-            </a:r>
-            <a:r>
-              <a:rPr lang="en-US" dirty="0" smtClean="0"/>
-              <a:t>(</a:t>
+              <a:t> (</a:t>
             </a:r>
             <a:r>
               <a:rPr lang="en-US" dirty="0" err="1" smtClean="0"/>
@@ -7307,7 +7266,6 @@
               <a:rPr lang="en-US" sz="2800" dirty="0" smtClean="0"/>
               <a:t>Planning</a:t>
             </a:r>
-            <a:endParaRPr lang="en-US" sz="2800" dirty="0" smtClean="0"/>
           </a:p>
           <a:p>
             <a:pPr marL="457200" indent="-457200">
@@ -7332,15 +7290,7 @@
             </a:pPr>
             <a:r>
               <a:rPr lang="en-US" sz="2800" dirty="0" smtClean="0"/>
-              <a:t>Analysis </a:t>
-            </a:r>
-            <a:r>
-              <a:rPr lang="en-US" sz="2800" dirty="0" smtClean="0"/>
-              <a:t>of </a:t>
-            </a:r>
-            <a:r>
-              <a:rPr lang="en-US" sz="2800" dirty="0" smtClean="0"/>
-              <a:t>requirements</a:t>
+              <a:t>Analysis of requirements</a:t>
             </a:r>
           </a:p>
           <a:p>
@@ -7355,7 +7305,6 @@
               <a:rPr lang="en-US" sz="2800" dirty="0" smtClean="0"/>
               <a:t>Design</a:t>
             </a:r>
-            <a:endParaRPr lang="en-US" sz="2800" dirty="0" smtClean="0"/>
           </a:p>
           <a:p>
             <a:pPr marL="457200" indent="-457200">
@@ -7395,7 +7344,6 @@
               <a:rPr lang="en-US" sz="2800" dirty="0" smtClean="0"/>
               <a:t>Testing</a:t>
             </a:r>
-            <a:endParaRPr lang="en-US" sz="2800" dirty="0" smtClean="0"/>
           </a:p>
           <a:p>
             <a:pPr marL="457200" indent="-457200">
@@ -7407,13 +7355,8 @@
             </a:pPr>
             <a:r>
               <a:rPr lang="en-US" sz="2800" dirty="0" smtClean="0"/>
-              <a:t>Deployment</a:t>
-            </a:r>
-            <a:r>
-              <a:rPr lang="en-US" sz="2800" dirty="0" smtClean="0"/>
-              <a:t>.</a:t>
-            </a:r>
-            <a:endParaRPr lang="en-US" sz="2800" dirty="0" smtClean="0"/>
+              <a:t>Deployment.</a:t>
+            </a:r>
           </a:p>
         </p:txBody>
       </p:sp>
@@ -7592,11 +7535,7 @@
             </a:r>
             <a:r>
               <a:rPr lang="en-US" dirty="0" smtClean="0"/>
-              <a:t> </a:t>
-            </a:r>
-            <a:r>
-              <a:rPr lang="en-US" dirty="0" smtClean="0"/>
-              <a:t>(</a:t>
+              <a:t> (</a:t>
             </a:r>
             <a:r>
               <a:rPr lang="en-US" dirty="0" err="1" smtClean="0"/>
@@ -7718,11 +7657,7 @@
             </a:pPr>
             <a:r>
               <a:rPr lang="en-US" sz="2800" dirty="0" smtClean="0"/>
-              <a:t>Formal </a:t>
-            </a:r>
-            <a:r>
-              <a:rPr lang="en-US" sz="2800" dirty="0" smtClean="0"/>
-              <a:t>technical reviews</a:t>
+              <a:t>Formal technical reviews</a:t>
             </a:r>
           </a:p>
           <a:p>
@@ -7735,11 +7670,7 @@
             </a:pPr>
             <a:r>
               <a:rPr lang="en-US" sz="2800" dirty="0" smtClean="0"/>
-              <a:t>Software </a:t>
-            </a:r>
-            <a:r>
-              <a:rPr lang="en-US" sz="2800" dirty="0" smtClean="0"/>
-              <a:t>quality assurance</a:t>
+              <a:t>Software quality assurance</a:t>
             </a:r>
           </a:p>
           <a:p>
@@ -7752,11 +7683,7 @@
             </a:pPr>
             <a:r>
               <a:rPr lang="en-US" sz="2800" dirty="0" smtClean="0"/>
-              <a:t>Software </a:t>
-            </a:r>
-            <a:r>
-              <a:rPr lang="en-US" sz="2800" dirty="0" smtClean="0"/>
-              <a:t>configuration management</a:t>
+              <a:t>Software configuration management</a:t>
             </a:r>
           </a:p>
           <a:p>
@@ -7769,11 +7696,7 @@
             </a:pPr>
             <a:r>
               <a:rPr lang="en-US" sz="2800" dirty="0" smtClean="0"/>
-              <a:t>Work </a:t>
-            </a:r>
-            <a:r>
-              <a:rPr lang="en-US" sz="2800" dirty="0" smtClean="0"/>
-              <a:t>product preparation and production</a:t>
+              <a:t>Work product preparation and production</a:t>
             </a:r>
           </a:p>
           <a:p>
@@ -7786,11 +7709,7 @@
             </a:pPr>
             <a:r>
               <a:rPr lang="en-US" sz="2800" dirty="0" smtClean="0"/>
-              <a:t>Reusability </a:t>
-            </a:r>
-            <a:r>
-              <a:rPr lang="en-US" sz="2800" dirty="0" smtClean="0"/>
-              <a:t>management</a:t>
+              <a:t>Reusability management</a:t>
             </a:r>
           </a:p>
           <a:p>
@@ -7805,7 +7724,6 @@
               <a:rPr lang="en-US" sz="2800" dirty="0" smtClean="0"/>
               <a:t>Measurement</a:t>
             </a:r>
-            <a:endParaRPr lang="en-US" sz="2800" dirty="0" smtClean="0"/>
           </a:p>
           <a:p>
             <a:pPr marL="457200" indent="-457200">
@@ -7817,13 +7735,8 @@
             </a:pPr>
             <a:r>
               <a:rPr lang="en-US" sz="2800" dirty="0" smtClean="0"/>
-              <a:t>Risk </a:t>
-            </a:r>
-            <a:r>
-              <a:rPr lang="en-US" sz="2800" dirty="0" smtClean="0"/>
-              <a:t>management.</a:t>
-            </a:r>
-            <a:endParaRPr lang="en-US" sz="2800" dirty="0" smtClean="0"/>
+              <a:t>Risk management.</a:t>
+            </a:r>
           </a:p>
         </p:txBody>
       </p:sp>
@@ -8002,11 +7915,7 @@
             </a:r>
             <a:r>
               <a:rPr lang="en-US" dirty="0" smtClean="0"/>
-              <a:t> </a:t>
-            </a:r>
-            <a:r>
-              <a:rPr lang="en-US" dirty="0" smtClean="0"/>
-              <a:t>(</a:t>
+              <a:t> (</a:t>
             </a:r>
             <a:r>
               <a:rPr lang="en-US" dirty="0" err="1" smtClean="0"/>
@@ -8518,11 +8427,7 @@
             </a:r>
             <a:r>
               <a:rPr lang="en-US" dirty="0" smtClean="0"/>
-              <a:t> </a:t>
-            </a:r>
-            <a:r>
-              <a:rPr lang="en-US" dirty="0" smtClean="0"/>
-              <a:t>(</a:t>
+              <a:t> (</a:t>
             </a:r>
             <a:r>
               <a:rPr lang="en-US" dirty="0" err="1" smtClean="0"/>
@@ -9012,11 +8917,7 @@
             </a:r>
             <a:r>
               <a:rPr lang="en-US" dirty="0" smtClean="0"/>
-              <a:t> </a:t>
-            </a:r>
-            <a:r>
-              <a:rPr lang="en-US" dirty="0" smtClean="0"/>
-              <a:t>(</a:t>
+              <a:t> (</a:t>
             </a:r>
             <a:r>
               <a:rPr lang="en-US" dirty="0" err="1" smtClean="0"/>
@@ -9262,11 +9163,15 @@
             </a:r>
             <a:r>
               <a:rPr lang="en-US" sz="2600" dirty="0" smtClean="0"/>
-              <a:t> customer/user </a:t>
-            </a:r>
-            <a:r>
-              <a:rPr lang="en-US" sz="2600" dirty="0" err="1" smtClean="0"/>
-              <a:t>udan</a:t>
+              <a:t> </a:t>
+            </a:r>
+            <a:r>
+              <a:rPr lang="en-US" sz="2600" smtClean="0"/>
+              <a:t>customer/user </a:t>
+            </a:r>
+            <a:r>
+              <a:rPr lang="en-US" sz="2600" smtClean="0"/>
+              <a:t>dan</a:t>
             </a:r>
             <a:r>
               <a:rPr lang="en-US" sz="2600" dirty="0" smtClean="0"/>
@@ -9522,11 +9427,7 @@
             </a:r>
             <a:r>
               <a:rPr lang="en-US" dirty="0" smtClean="0"/>
-              <a:t> </a:t>
-            </a:r>
-            <a:r>
-              <a:rPr lang="en-US" dirty="0" smtClean="0"/>
-              <a:t>(</a:t>
+              <a:t> (</a:t>
             </a:r>
             <a:r>
               <a:rPr lang="en-US" dirty="0" err="1" smtClean="0"/>
@@ -9976,11 +9877,7 @@
             </a:r>
             <a:r>
               <a:rPr lang="en-US" dirty="0" smtClean="0"/>
-              <a:t> </a:t>
-            </a:r>
-            <a:r>
-              <a:rPr lang="en-US" dirty="0" smtClean="0"/>
-              <a:t>(</a:t>
+              <a:t> (</a:t>
             </a:r>
             <a:r>
               <a:rPr lang="en-US" dirty="0" err="1" smtClean="0"/>
@@ -10147,7 +10044,6 @@
               <a:rPr lang="en-US" sz="2600" dirty="0" smtClean="0"/>
               <a:t> prototyping.</a:t>
             </a:r>
-            <a:endParaRPr lang="en-US" sz="2600" dirty="0" smtClean="0"/>
           </a:p>
         </p:txBody>
       </p:sp>
@@ -10404,11 +10300,7 @@
             </a:r>
             <a:r>
               <a:rPr lang="en-US" dirty="0" smtClean="0"/>
-              <a:t> </a:t>
-            </a:r>
-            <a:r>
-              <a:rPr lang="en-US" dirty="0" smtClean="0"/>
-              <a:t>(</a:t>
+              <a:t> (</a:t>
             </a:r>
             <a:r>
               <a:rPr lang="en-US" dirty="0" err="1" smtClean="0"/>
@@ -10664,11 +10556,7 @@
             </a:r>
             <a:r>
               <a:rPr lang="en-US" dirty="0" smtClean="0"/>
-              <a:t> </a:t>
-            </a:r>
-            <a:r>
-              <a:rPr lang="en-US" dirty="0" smtClean="0"/>
-              <a:t>(</a:t>
+              <a:t> (</a:t>
             </a:r>
             <a:r>
               <a:rPr lang="en-US" dirty="0" err="1" smtClean="0"/>
@@ -11078,11 +10966,7 @@
             </a:r>
             <a:r>
               <a:rPr lang="en-US" dirty="0" smtClean="0"/>
-              <a:t> </a:t>
-            </a:r>
-            <a:r>
-              <a:rPr lang="en-US" dirty="0" smtClean="0"/>
-              <a:t>(</a:t>
+              <a:t> (</a:t>
             </a:r>
             <a:r>
               <a:rPr lang="en-US" dirty="0" err="1" smtClean="0"/>
@@ -11508,11 +11392,7 @@
             </a:r>
             <a:r>
               <a:rPr lang="en-US" dirty="0" smtClean="0"/>
-              <a:t> </a:t>
-            </a:r>
-            <a:r>
-              <a:rPr lang="en-US" dirty="0" smtClean="0"/>
-              <a:t>(</a:t>
+              <a:t> (</a:t>
             </a:r>
             <a:r>
               <a:rPr lang="en-US" dirty="0" err="1" smtClean="0"/>
@@ -12000,11 +11880,7 @@
             </a:r>
             <a:r>
               <a:rPr lang="en-US" dirty="0" smtClean="0"/>
-              <a:t> </a:t>
-            </a:r>
-            <a:r>
-              <a:rPr lang="en-US" dirty="0" smtClean="0"/>
-              <a:t>(</a:t>
+              <a:t> (</a:t>
             </a:r>
             <a:r>
               <a:rPr lang="en-US" dirty="0" err="1" smtClean="0"/>
@@ -12306,11 +12182,7 @@
             </a:r>
             <a:r>
               <a:rPr lang="en-US" dirty="0" smtClean="0"/>
-              <a:t> </a:t>
-            </a:r>
-            <a:r>
-              <a:rPr lang="en-US" dirty="0" smtClean="0"/>
-              <a:t>(</a:t>
+              <a:t> (</a:t>
             </a:r>
             <a:r>
               <a:rPr lang="en-US" dirty="0" err="1" smtClean="0"/>
@@ -12495,15 +12367,7 @@
             </a:r>
             <a:r>
               <a:rPr lang="en-US" sz="2800" dirty="0" smtClean="0"/>
-              <a:t>; </a:t>
-            </a:r>
-            <a:r>
-              <a:rPr lang="en-US" sz="2800" dirty="0" smtClean="0"/>
-              <a:t>2</a:t>
-            </a:r>
-            <a:r>
-              <a:rPr lang="en-US" sz="2800" dirty="0" smtClean="0"/>
-              <a:t>) </a:t>
+              <a:t>; 2) </a:t>
             </a:r>
             <a:r>
               <a:rPr lang="en-US" sz="2800" dirty="0" err="1" smtClean="0">
@@ -12607,19 +12471,7 @@
             </a:r>
             <a:r>
               <a:rPr lang="en-US" sz="2800" dirty="0" smtClean="0"/>
-              <a:t> </a:t>
-            </a:r>
-            <a:r>
-              <a:rPr lang="en-US" sz="2800" dirty="0" smtClean="0"/>
-              <a:t>program (Roger </a:t>
-            </a:r>
-            <a:r>
-              <a:rPr lang="en-US" sz="2800" dirty="0" smtClean="0"/>
-              <a:t>Pressman</a:t>
-            </a:r>
-            <a:r>
-              <a:rPr lang="en-US" sz="2800" dirty="0" smtClean="0"/>
-              <a:t>)</a:t>
+              <a:t> program (Roger Pressman)</a:t>
             </a:r>
           </a:p>
           <a:p>
@@ -12756,11 +12608,7 @@
             </a:r>
             <a:r>
               <a:rPr lang="en-US" sz="2800" dirty="0" smtClean="0"/>
-              <a:t> </a:t>
-            </a:r>
-            <a:r>
-              <a:rPr lang="en-US" sz="2800" dirty="0" smtClean="0"/>
-              <a:t>yang </a:t>
+              <a:t> yang </a:t>
             </a:r>
             <a:r>
               <a:rPr lang="en-US" sz="2800" dirty="0" err="1" smtClean="0"/>
@@ -12802,7 +12650,6 @@
               <a:rPr lang="en-US" sz="2800" dirty="0" smtClean="0"/>
               <a:t> (IEEE)</a:t>
             </a:r>
-            <a:endParaRPr lang="en-US" sz="2800" dirty="0" smtClean="0"/>
           </a:p>
         </p:txBody>
       </p:sp>
@@ -12985,11 +12832,7 @@
             </a:r>
             <a:r>
               <a:rPr lang="en-US" dirty="0" smtClean="0"/>
-              <a:t> </a:t>
-            </a:r>
-            <a:r>
-              <a:rPr lang="en-US" dirty="0" smtClean="0"/>
-              <a:t>(</a:t>
+              <a:t> (</a:t>
             </a:r>
             <a:r>
               <a:rPr lang="en-US" dirty="0" err="1" smtClean="0"/>
@@ -13367,7 +13210,6 @@
               <a:rPr lang="en-US" sz="2800" dirty="0" smtClean="0"/>
               <a:t>.</a:t>
             </a:r>
-            <a:endParaRPr lang="en-US" sz="2800" dirty="0" smtClean="0"/>
           </a:p>
         </p:txBody>
       </p:sp>
@@ -13476,11 +13318,7 @@
           <a:p>
             <a:r>
               <a:rPr lang="en-US" sz="3600" b="1" dirty="0" smtClean="0"/>
-              <a:t>Software Applicatio</a:t>
-            </a:r>
-            <a:r>
-              <a:rPr lang="en-US" sz="3600" b="1" dirty="0" smtClean="0"/>
-              <a:t>n</a:t>
+              <a:t>Software Application</a:t>
             </a:r>
             <a:endParaRPr lang="en-US" sz="3600" b="1" dirty="0"/>
           </a:p>
@@ -13550,11 +13388,7 @@
             </a:r>
             <a:r>
               <a:rPr lang="en-US" dirty="0" smtClean="0"/>
-              <a:t> </a:t>
-            </a:r>
-            <a:r>
-              <a:rPr lang="en-US" dirty="0" smtClean="0"/>
-              <a:t>(</a:t>
+              <a:t> (</a:t>
             </a:r>
             <a:r>
               <a:rPr lang="en-US" dirty="0" err="1" smtClean="0"/>
@@ -13676,11 +13510,7 @@
             </a:pPr>
             <a:r>
               <a:rPr lang="en-US" sz="2800" dirty="0" smtClean="0"/>
-              <a:t>application </a:t>
-            </a:r>
-            <a:r>
-              <a:rPr lang="en-US" sz="2800" dirty="0" smtClean="0"/>
-              <a:t>software</a:t>
+              <a:t>application software</a:t>
             </a:r>
           </a:p>
           <a:p>
@@ -13695,7 +13525,6 @@
               <a:rPr lang="en-US" sz="2800" dirty="0" smtClean="0"/>
               <a:t>engineering/scientific software </a:t>
             </a:r>
-            <a:endParaRPr lang="en-US" sz="2800" dirty="0" smtClean="0"/>
           </a:p>
           <a:p>
             <a:pPr marL="457200" indent="-457200">
@@ -13707,11 +13536,7 @@
             </a:pPr>
             <a:r>
               <a:rPr lang="en-US" sz="2800" dirty="0" smtClean="0"/>
-              <a:t>embedded </a:t>
-            </a:r>
-            <a:r>
-              <a:rPr lang="en-US" sz="2800" dirty="0" smtClean="0"/>
-              <a:t>software </a:t>
+              <a:t>embedded software </a:t>
             </a:r>
           </a:p>
           <a:p>
@@ -13724,11 +13549,7 @@
             </a:pPr>
             <a:r>
               <a:rPr lang="en-US" sz="2800" dirty="0" smtClean="0"/>
-              <a:t>product-line </a:t>
-            </a:r>
-            <a:r>
-              <a:rPr lang="en-US" sz="2800" dirty="0" smtClean="0"/>
-              <a:t>software</a:t>
+              <a:t>product-line software</a:t>
             </a:r>
           </a:p>
           <a:p>
@@ -13745,19 +13566,7 @@
             </a:r>
             <a:r>
               <a:rPr lang="en-US" sz="2800" dirty="0" smtClean="0"/>
-              <a:t> </a:t>
-            </a:r>
-            <a:r>
-              <a:rPr lang="en-US" sz="2800" dirty="0" smtClean="0"/>
-              <a:t>(</a:t>
-            </a:r>
-            <a:r>
-              <a:rPr lang="en-US" sz="2800" dirty="0" smtClean="0"/>
-              <a:t>Web applications</a:t>
-            </a:r>
-            <a:r>
-              <a:rPr lang="en-US" sz="2800" dirty="0" smtClean="0"/>
-              <a:t>)</a:t>
+              <a:t> (Web applications)</a:t>
             </a:r>
           </a:p>
           <a:p>
@@ -13770,13 +13579,8 @@
             </a:pPr>
             <a:r>
               <a:rPr lang="en-US" sz="2800" dirty="0" smtClean="0"/>
-              <a:t>AI </a:t>
-            </a:r>
-            <a:r>
-              <a:rPr lang="en-US" sz="2800" dirty="0" smtClean="0"/>
-              <a:t>software</a:t>
-            </a:r>
-            <a:endParaRPr lang="en-US" sz="2800" dirty="0" smtClean="0"/>
+              <a:t>AI software</a:t>
+            </a:r>
           </a:p>
         </p:txBody>
       </p:sp>
@@ -13955,11 +13759,7 @@
             </a:r>
             <a:r>
               <a:rPr lang="en-US" dirty="0" smtClean="0"/>
-              <a:t> </a:t>
-            </a:r>
-            <a:r>
-              <a:rPr lang="en-US" dirty="0" smtClean="0"/>
-              <a:t>(</a:t>
+              <a:t> (</a:t>
             </a:r>
             <a:r>
               <a:rPr lang="en-US" dirty="0" err="1" smtClean="0"/>
@@ -14068,15 +13868,7 @@
             </a:pPr>
             <a:r>
               <a:rPr lang="en-US" sz="2800" dirty="0" smtClean="0"/>
-              <a:t>Open world computing—pervasive</a:t>
-            </a:r>
-            <a:r>
-              <a:rPr lang="en-US" sz="2800" dirty="0" smtClean="0"/>
-              <a:t>, distributed </a:t>
-            </a:r>
-            <a:r>
-              <a:rPr lang="en-US" sz="2800" dirty="0" smtClean="0"/>
-              <a:t>computing</a:t>
+              <a:t>Open world computing—pervasive, distributed computing</a:t>
             </a:r>
           </a:p>
           <a:p>
@@ -14089,11 +13881,7 @@
             </a:pPr>
             <a:r>
               <a:rPr lang="en-US" sz="2800" dirty="0" smtClean="0"/>
-              <a:t>Ubiquitous </a:t>
-            </a:r>
-            <a:r>
-              <a:rPr lang="en-US" sz="2800" dirty="0" smtClean="0"/>
-              <a:t>computing—wireless networks</a:t>
+              <a:t>Ubiquitous computing—wireless networks</a:t>
             </a:r>
           </a:p>
           <a:p>
@@ -14110,17 +13898,8 @@
             </a:r>
             <a:r>
               <a:rPr lang="en-US" sz="2800" dirty="0" smtClean="0"/>
-              <a:t>—the </a:t>
-            </a:r>
-            <a:r>
-              <a:rPr lang="en-US" sz="2800" dirty="0" smtClean="0"/>
-              <a:t>Web as a </a:t>
-            </a:r>
-            <a:r>
-              <a:rPr lang="en-US" sz="2800" dirty="0" smtClean="0"/>
-              <a:t>computing engine</a:t>
-            </a:r>
-            <a:endParaRPr lang="en-US" sz="2800" dirty="0" smtClean="0"/>
+              <a:t>—the Web as a computing engine</a:t>
+            </a:r>
           </a:p>
           <a:p>
             <a:pPr marL="457200" indent="-457200">
@@ -14132,11 +13911,7 @@
             </a:pPr>
             <a:r>
               <a:rPr lang="en-US" sz="2800" dirty="0" smtClean="0"/>
-              <a:t>Open </a:t>
-            </a:r>
-            <a:r>
-              <a:rPr lang="en-US" sz="2800" dirty="0" smtClean="0"/>
-              <a:t>source—”free” source code open </a:t>
+              <a:t>Open source—”free” source code open </a:t>
             </a:r>
             <a:r>
               <a:rPr lang="en-US" sz="2800" dirty="0" err="1" smtClean="0"/>
@@ -14144,21 +13919,8 @@
             </a:r>
             <a:r>
               <a:rPr lang="en-US" sz="2800" dirty="0" smtClean="0"/>
-              <a:t> </a:t>
-            </a:r>
-            <a:r>
-              <a:rPr lang="en-US" sz="2800" dirty="0" smtClean="0"/>
-              <a:t>computing community (a blessing, but </a:t>
-            </a:r>
-            <a:r>
-              <a:rPr lang="en-US" sz="2800" dirty="0" smtClean="0"/>
-              <a:t>also </a:t>
-            </a:r>
-            <a:r>
-              <a:rPr lang="en-US" sz="2800" dirty="0" smtClean="0"/>
-              <a:t>a potential curse!)</a:t>
-            </a:r>
-            <a:endParaRPr lang="en-US" sz="2800" dirty="0" smtClean="0"/>
+              <a:t> computing community (a blessing, but also a potential curse!)</a:t>
+            </a:r>
           </a:p>
         </p:txBody>
       </p:sp>
@@ -14267,11 +14029,7 @@
           <a:p>
             <a:r>
               <a:rPr lang="en-US" sz="3600" b="1" dirty="0" smtClean="0"/>
-              <a:t>Engineering</a:t>
-            </a:r>
-            <a:r>
-              <a:rPr lang="en-US" sz="3600" b="1" dirty="0" smtClean="0"/>
-              <a:t> (</a:t>
+              <a:t>Engineering (</a:t>
             </a:r>
             <a:r>
               <a:rPr lang="en-US" sz="3600" b="1" dirty="0" err="1" smtClean="0"/>
@@ -14349,11 +14107,7 @@
             </a:r>
             <a:r>
               <a:rPr lang="en-US" dirty="0" smtClean="0"/>
-              <a:t> </a:t>
-            </a:r>
-            <a:r>
-              <a:rPr lang="en-US" dirty="0" smtClean="0"/>
-              <a:t>(</a:t>
+              <a:t> (</a:t>
             </a:r>
             <a:r>
               <a:rPr lang="en-US" dirty="0" err="1" smtClean="0"/>
@@ -14556,7 +14310,6 @@
               <a:rPr lang="en-US" sz="2800" dirty="0" smtClean="0"/>
               <a:t> </a:t>
             </a:r>
-            <a:endParaRPr lang="en-US" sz="2800" dirty="0" smtClean="0"/>
           </a:p>
         </p:txBody>
       </p:sp>
@@ -14665,11 +14418,7 @@
           <a:p>
             <a:r>
               <a:rPr lang="en-US" sz="3600" b="1" dirty="0" smtClean="0"/>
-              <a:t>Software Engineering</a:t>
-            </a:r>
-            <a:r>
-              <a:rPr lang="en-US" sz="3600" b="1" dirty="0" smtClean="0"/>
-              <a:t> (RPL)</a:t>
+              <a:t>Software Engineering (RPL)</a:t>
             </a:r>
             <a:endParaRPr lang="en-US" sz="3600" b="1" dirty="0"/>
           </a:p>
@@ -14739,11 +14488,7 @@
             </a:r>
             <a:r>
               <a:rPr lang="en-US" dirty="0" smtClean="0"/>
-              <a:t> </a:t>
-            </a:r>
-            <a:r>
-              <a:rPr lang="en-US" dirty="0" smtClean="0"/>
-              <a:t>(</a:t>
+              <a:t> (</a:t>
             </a:r>
             <a:r>
               <a:rPr lang="en-US" dirty="0" err="1" smtClean="0"/>
@@ -14982,35 +14727,15 @@
             </a:r>
             <a:r>
               <a:rPr lang="sv-SE" sz="2800" b="1" dirty="0" smtClean="0"/>
-              <a:t>penggunaan </a:t>
+              <a:t>penggunaan prinsip rekayasa (engineering</a:t>
+            </a:r>
+            <a:r>
+              <a:rPr lang="sv-SE" sz="2800" dirty="0" smtClean="0"/>
+              <a:t>) untuk mendapatkan perangkat lunak secara </a:t>
             </a:r>
             <a:r>
               <a:rPr lang="sv-SE" sz="2800" b="1" dirty="0" smtClean="0"/>
-              <a:t>prinsip rekayasa </a:t>
-            </a:r>
-            <a:r>
-              <a:rPr lang="sv-SE" sz="2800" b="1" dirty="0" smtClean="0"/>
-              <a:t>(engineering</a:t>
-            </a:r>
-            <a:r>
-              <a:rPr lang="sv-SE" sz="2800" dirty="0" smtClean="0"/>
-              <a:t>) untuk </a:t>
-            </a:r>
-            <a:r>
-              <a:rPr lang="sv-SE" sz="2800" dirty="0" smtClean="0"/>
-              <a:t>mendapatkan perangkat </a:t>
-            </a:r>
-            <a:r>
-              <a:rPr lang="sv-SE" sz="2800" dirty="0" smtClean="0"/>
-              <a:t>lunak secara </a:t>
-            </a:r>
-            <a:r>
-              <a:rPr lang="sv-SE" sz="2800" b="1" dirty="0" smtClean="0"/>
-              <a:t>ekonomis </a:t>
-            </a:r>
-            <a:r>
-              <a:rPr lang="sv-SE" sz="2800" b="1" dirty="0" smtClean="0"/>
-              <a:t>namun andal </a:t>
+              <a:t>ekonomis namun andal </a:t>
             </a:r>
             <a:r>
               <a:rPr lang="sv-SE" sz="2800" dirty="0" smtClean="0"/>
@@ -15022,11 +14747,7 @@
             </a:r>
             <a:r>
               <a:rPr lang="sv-SE" sz="2800" dirty="0" smtClean="0"/>
-              <a:t> </a:t>
-            </a:r>
-            <a:r>
-              <a:rPr lang="sv-SE" sz="2800" dirty="0" smtClean="0"/>
-              <a:t>pada komputer</a:t>
+              <a:t> pada komputer</a:t>
             </a:r>
           </a:p>
           <a:p>
@@ -15051,33 +14772,12 @@
             </a:r>
             <a:r>
               <a:rPr lang="sv-SE" sz="2800" b="1" dirty="0" smtClean="0"/>
-              <a:t>mengintegrasikan </a:t>
-            </a:r>
-            <a:r>
-              <a:rPr lang="sv-SE" sz="2800" b="1" dirty="0" smtClean="0"/>
-              <a:t>proses, metode, dan </a:t>
-            </a:r>
-            <a:r>
-              <a:rPr lang="sv-SE" sz="2800" b="1" dirty="0" smtClean="0"/>
-              <a:t>alat bantu </a:t>
-            </a:r>
-            <a:r>
-              <a:rPr lang="sv-SE" sz="2800" b="1" dirty="0" smtClean="0"/>
-              <a:t>(tools</a:t>
+              <a:t>mengintegrasikan proses, metode, dan alat bantu (tools</a:t>
             </a:r>
             <a:r>
               <a:rPr lang="sv-SE" sz="2800" dirty="0" smtClean="0"/>
-              <a:t>) untuk </a:t>
-            </a:r>
-            <a:r>
-              <a:rPr lang="sv-SE" sz="2800" dirty="0" smtClean="0"/>
-              <a:t>pembangunan perangkat </a:t>
-            </a:r>
-            <a:r>
-              <a:rPr lang="sv-SE" sz="2800" dirty="0" smtClean="0"/>
-              <a:t>lunak komputer</a:t>
-            </a:r>
-            <a:endParaRPr lang="sv-SE" sz="2800" dirty="0" smtClean="0"/>
+              <a:t>) untuk pembangunan perangkat lunak komputer</a:t>
+            </a:r>
           </a:p>
           <a:p>
             <a:pPr marL="457200" indent="-457200">
